--- a/Thesis/Rating Image Aesthetics Using Deep Learning.pptx
+++ b/Thesis/Rating Image Aesthetics Using Deep Learning.pptx
@@ -30,6 +30,7 @@
     <p:sldId id="280" r:id="rId24"/>
     <p:sldId id="281" r:id="rId25"/>
     <p:sldId id="282" r:id="rId26"/>
+    <p:sldId id="283" r:id="rId27"/>
   </p:sldIdLst>
   <p:sldSz cx="12192000" cy="6858000"/>
   <p:notesSz cx="6858000" cy="9144000"/>
@@ -128,6 +129,11 @@
       </a:defRPr>
     </a:lvl9pPr>
   </p:defaultTextStyle>
+  <p:extLst>
+    <p:ext uri="{EFAFB233-063F-42B5-8137-9DF3F51BA10A}">
+      <p15:sldGuideLst xmlns:p15="http://schemas.microsoft.com/office/powerpoint/2012/main"/>
+    </p:ext>
+  </p:extLst>
 </p:presentation>
 </file>
 
@@ -3011,6 +3017,77 @@
           </a:p>
         </p:txBody>
       </p:sp>
+      <p:sp>
+        <p:nvSpPr>
+          <p:cNvPr id="3" name="TextBox 2"/>
+          <p:cNvSpPr txBox="1"/>
+          <p:nvPr/>
+        </p:nvSpPr>
+        <p:spPr>
+          <a:xfrm>
+            <a:off x="1299847" y="4775200"/>
+            <a:ext cx="9592306" cy="923330"/>
+          </a:xfrm>
+          <a:prstGeom prst="rect">
+            <a:avLst/>
+          </a:prstGeom>
+          <a:noFill/>
+        </p:spPr>
+        <p:txBody>
+          <a:bodyPr wrap="none" rtlCol="0">
+            <a:spAutoFit/>
+          </a:bodyPr>
+          <a:lstStyle/>
+          <a:p>
+            <a:r>
+              <a:rPr lang="en-US" altLang="ko-KR" dirty="0"/>
+              <a:t>Xin Lu, </a:t>
+            </a:r>
+            <a:r>
+              <a:rPr lang="en-US" altLang="ko-KR" dirty="0" err="1"/>
+              <a:t>Zhe</a:t>
+            </a:r>
+            <a:r>
+              <a:rPr lang="en-US" altLang="ko-KR" dirty="0"/>
+              <a:t> Lin, Member, IEEE, </a:t>
+            </a:r>
+            <a:r>
+              <a:rPr lang="en-US" altLang="ko-KR" dirty="0" err="1"/>
+              <a:t>Hailin</a:t>
+            </a:r>
+            <a:r>
+              <a:rPr lang="en-US" altLang="ko-KR" dirty="0"/>
+              <a:t> </a:t>
+            </a:r>
+            <a:r>
+              <a:rPr lang="en-US" altLang="ko-KR" dirty="0" err="1"/>
+              <a:t>Jin</a:t>
+            </a:r>
+            <a:r>
+              <a:rPr lang="en-US" altLang="ko-KR" dirty="0"/>
+              <a:t>, Member, IEEE, </a:t>
+            </a:r>
+            <a:r>
+              <a:rPr lang="en-US" altLang="ko-KR" dirty="0" err="1"/>
+              <a:t>Jianchao</a:t>
+            </a:r>
+            <a:r>
+              <a:rPr lang="en-US" altLang="ko-KR" dirty="0"/>
+              <a:t> Yang, Member, IEEE, and</a:t>
+            </a:r>
+          </a:p>
+          <a:p>
+            <a:endParaRPr lang="en-US" altLang="ko-KR" dirty="0"/>
+          </a:p>
+          <a:p>
+            <a:r>
+              <a:rPr lang="en-US" altLang="ko-KR" dirty="0"/>
+              <a:t>James. Z. Wang, Senior Member, IEEE</a:t>
+            </a:r>
+            <a:endParaRPr lang="ko-KR" altLang="en-US" dirty="0"/>
+          </a:p>
+        </p:txBody>
+      </p:sp>
     </p:spTree>
     <p:extLst>
       <p:ext uri="{BB962C8B-B14F-4D97-AF65-F5344CB8AC3E}">
@@ -3021,6 +3098,13 @@
   <p:clrMapOvr>
     <a:masterClrMapping/>
   </p:clrMapOvr>
+  <p:timing>
+    <p:tnLst>
+      <p:par>
+        <p:cTn id="1" dur="indefinite" restart="never" nodeType="tmRoot"/>
+      </p:par>
+    </p:tnLst>
+  </p:timing>
 </p:sld>
 </file>
 
@@ -3159,6 +3243,13 @@
   <p:clrMapOvr>
     <a:masterClrMapping/>
   </p:clrMapOvr>
+  <p:timing>
+    <p:tnLst>
+      <p:par>
+        <p:cTn id="1" dur="indefinite" restart="never" nodeType="tmRoot"/>
+      </p:par>
+    </p:tnLst>
+  </p:timing>
 </p:sld>
 </file>
 
@@ -3317,6 +3408,13 @@
   <p:clrMapOvr>
     <a:masterClrMapping/>
   </p:clrMapOvr>
+  <p:timing>
+    <p:tnLst>
+      <p:par>
+        <p:cTn id="1" dur="indefinite" restart="never" nodeType="tmRoot"/>
+      </p:par>
+    </p:tnLst>
+  </p:timing>
 </p:sld>
 </file>
 
@@ -3455,6 +3553,13 @@
   <p:clrMapOvr>
     <a:masterClrMapping/>
   </p:clrMapOvr>
+  <p:timing>
+    <p:tnLst>
+      <p:par>
+        <p:cTn id="1" dur="indefinite" restart="never" nodeType="tmRoot"/>
+      </p:par>
+    </p:tnLst>
+  </p:timing>
 </p:sld>
 </file>
 
@@ -3632,6 +3737,13 @@
   <p:clrMapOvr>
     <a:masterClrMapping/>
   </p:clrMapOvr>
+  <p:timing>
+    <p:tnLst>
+      <p:par>
+        <p:cTn id="1" dur="indefinite" restart="never" nodeType="tmRoot"/>
+      </p:par>
+    </p:tnLst>
+  </p:timing>
 </p:sld>
 </file>
 
@@ -3766,6 +3878,13 @@
   <p:clrMapOvr>
     <a:masterClrMapping/>
   </p:clrMapOvr>
+  <p:timing>
+    <p:tnLst>
+      <p:par>
+        <p:cTn id="1" dur="indefinite" restart="never" nodeType="tmRoot"/>
+      </p:par>
+    </p:tnLst>
+  </p:timing>
 </p:sld>
 </file>
 
@@ -4707,6 +4826,13 @@
   <p:clrMapOvr>
     <a:masterClrMapping/>
   </p:clrMapOvr>
+  <p:timing>
+    <p:tnLst>
+      <p:par>
+        <p:cTn id="1" dur="indefinite" restart="never" nodeType="tmRoot"/>
+      </p:par>
+    </p:tnLst>
+  </p:timing>
 </p:sld>
 </file>
 
@@ -5655,6 +5781,207 @@
 </p:sld>
 </file>
 
+<file path=ppt/slides/slide26.xml><?xml version="1.0" encoding="utf-8"?>
+<p:sld xmlns:a="http://schemas.openxmlformats.org/drawingml/2006/main" xmlns:r="http://schemas.openxmlformats.org/officeDocument/2006/relationships" xmlns:p="http://schemas.openxmlformats.org/presentationml/2006/main">
+  <p:cSld>
+    <p:spTree>
+      <p:nvGrpSpPr>
+        <p:cNvPr id="1" name=""/>
+        <p:cNvGrpSpPr/>
+        <p:nvPr/>
+      </p:nvGrpSpPr>
+      <p:grpSpPr>
+        <a:xfrm>
+          <a:off x="0" y="0"/>
+          <a:ext cx="0" cy="0"/>
+          <a:chOff x="0" y="0"/>
+          <a:chExt cx="0" cy="0"/>
+        </a:xfrm>
+      </p:grpSpPr>
+      <p:sp>
+        <p:nvSpPr>
+          <p:cNvPr id="6" name="TextBox 5"/>
+          <p:cNvSpPr txBox="1"/>
+          <p:nvPr/>
+        </p:nvSpPr>
+        <p:spPr>
+          <a:xfrm>
+            <a:off x="643463" y="575733"/>
+            <a:ext cx="8652937" cy="707886"/>
+          </a:xfrm>
+          <a:prstGeom prst="rect">
+            <a:avLst/>
+          </a:prstGeom>
+          <a:noFill/>
+        </p:spPr>
+        <p:txBody>
+          <a:bodyPr wrap="square" rtlCol="0">
+            <a:spAutoFit/>
+          </a:bodyPr>
+          <a:lstStyle/>
+          <a:p>
+            <a:r>
+              <a:rPr lang="en-US" altLang="ko-KR" sz="4000" dirty="0" smtClean="0">
+                <a:solidFill>
+                  <a:srgbClr val="00B050"/>
+                </a:solidFill>
+              </a:rPr>
+              <a:t>Others</a:t>
+            </a:r>
+            <a:endParaRPr lang="ko-KR" altLang="en-US" sz="4000" dirty="0">
+              <a:solidFill>
+                <a:srgbClr val="00B050"/>
+              </a:solidFill>
+            </a:endParaRPr>
+          </a:p>
+        </p:txBody>
+      </p:sp>
+      <p:sp>
+        <p:nvSpPr>
+          <p:cNvPr id="4" name="TextBox 3"/>
+          <p:cNvSpPr txBox="1"/>
+          <p:nvPr/>
+        </p:nvSpPr>
+        <p:spPr>
+          <a:xfrm>
+            <a:off x="1134533" y="1828801"/>
+            <a:ext cx="10409767" cy="3108543"/>
+          </a:xfrm>
+          <a:prstGeom prst="rect">
+            <a:avLst/>
+          </a:prstGeom>
+          <a:noFill/>
+        </p:spPr>
+        <p:txBody>
+          <a:bodyPr wrap="square" rtlCol="0">
+            <a:spAutoFit/>
+          </a:bodyPr>
+          <a:lstStyle/>
+          <a:p>
+            <a:r>
+              <a:rPr lang="en-US" altLang="ko-KR" sz="2800" dirty="0"/>
+              <a:t>N. Murray, L. </a:t>
+            </a:r>
+            <a:r>
+              <a:rPr lang="en-US" altLang="ko-KR" sz="2800" dirty="0" err="1"/>
+              <a:t>Marchesotti</a:t>
+            </a:r>
+            <a:r>
+              <a:rPr lang="en-US" altLang="ko-KR" sz="2800" dirty="0"/>
+              <a:t>, and F. </a:t>
+            </a:r>
+            <a:r>
+              <a:rPr lang="en-US" altLang="ko-KR" sz="2800" dirty="0" err="1"/>
+              <a:t>Perronnin</a:t>
+            </a:r>
+            <a:r>
+              <a:rPr lang="en-US" altLang="ko-KR" sz="2800" dirty="0"/>
+              <a:t>, “AVA: A large-scale </a:t>
+            </a:r>
+            <a:r>
+              <a:rPr lang="en-US" altLang="ko-KR" sz="2800" dirty="0" smtClean="0"/>
+              <a:t>data-base </a:t>
+            </a:r>
+            <a:r>
+              <a:rPr lang="en-US" altLang="ko-KR" sz="2800" dirty="0"/>
+              <a:t>for aesthetic visual analysis</a:t>
+            </a:r>
+            <a:r>
+              <a:rPr lang="en-US" altLang="ko-KR" sz="2800" dirty="0" smtClean="0"/>
+              <a:t>,”</a:t>
+            </a:r>
+          </a:p>
+          <a:p>
+            <a:endParaRPr lang="en-US" altLang="ko-KR" sz="2800" dirty="0"/>
+          </a:p>
+          <a:p>
+            <a:r>
+              <a:rPr lang="en-US" altLang="ko-KR" sz="2800" dirty="0"/>
+              <a:t>Photo Aesthetics Ranking Network </a:t>
+            </a:r>
+            <a:r>
+              <a:rPr lang="en-US" altLang="ko-KR" sz="2800" dirty="0" smtClean="0"/>
+              <a:t>with Attributes </a:t>
+            </a:r>
+            <a:r>
+              <a:rPr lang="en-US" altLang="ko-KR" sz="2800" dirty="0"/>
+              <a:t>and Content </a:t>
+            </a:r>
+            <a:r>
+              <a:rPr lang="en-US" altLang="ko-KR" sz="2800" dirty="0" smtClean="0"/>
+              <a:t>Adaptation</a:t>
+            </a:r>
+          </a:p>
+          <a:p>
+            <a:r>
+              <a:rPr lang="en-US" altLang="ko-KR" sz="2800" dirty="0"/>
+              <a:t>Shu </a:t>
+            </a:r>
+            <a:r>
+              <a:rPr lang="en-US" altLang="ko-KR" sz="2800" dirty="0" smtClean="0"/>
+              <a:t>Kong1, </a:t>
+            </a:r>
+            <a:r>
+              <a:rPr lang="en-US" altLang="ko-KR" sz="2800" dirty="0" err="1"/>
+              <a:t>Xiaohui</a:t>
+            </a:r>
+            <a:r>
+              <a:rPr lang="en-US" altLang="ko-KR" sz="2800" dirty="0"/>
+              <a:t> </a:t>
+            </a:r>
+            <a:r>
+              <a:rPr lang="en-US" altLang="ko-KR" sz="2800" dirty="0" smtClean="0"/>
+              <a:t>Shen2, </a:t>
+            </a:r>
+            <a:r>
+              <a:rPr lang="en-US" altLang="ko-KR" sz="2800" dirty="0" err="1"/>
+              <a:t>Zhe</a:t>
+            </a:r>
+            <a:r>
+              <a:rPr lang="en-US" altLang="ko-KR" sz="2800" dirty="0"/>
+              <a:t> </a:t>
+            </a:r>
+            <a:r>
+              <a:rPr lang="en-US" altLang="ko-KR" sz="2800" dirty="0" smtClean="0"/>
+              <a:t>Lin2, </a:t>
+            </a:r>
+            <a:r>
+              <a:rPr lang="en-US" altLang="ko-KR" sz="2800" dirty="0" err="1"/>
+              <a:t>Radomir</a:t>
+            </a:r>
+            <a:r>
+              <a:rPr lang="en-US" altLang="ko-KR" sz="2800" dirty="0"/>
+              <a:t> </a:t>
+            </a:r>
+            <a:r>
+              <a:rPr lang="en-US" altLang="ko-KR" sz="2800" dirty="0" smtClean="0"/>
+              <a:t>Mech2, </a:t>
+            </a:r>
+            <a:r>
+              <a:rPr lang="en-US" altLang="ko-KR" sz="2800" dirty="0" err="1"/>
+              <a:t>Charless</a:t>
+            </a:r>
+            <a:r>
+              <a:rPr lang="en-US" altLang="ko-KR" sz="2800" dirty="0"/>
+              <a:t> Fowlkes1</a:t>
+            </a:r>
+            <a:endParaRPr lang="en-US" altLang="ko-KR" sz="2800" dirty="0"/>
+          </a:p>
+        </p:txBody>
+      </p:sp>
+    </p:spTree>
+    <p:extLst>
+      <p:ext uri="{BB962C8B-B14F-4D97-AF65-F5344CB8AC3E}">
+        <p14:creationId xmlns:p14="http://schemas.microsoft.com/office/powerpoint/2010/main" val="339115761"/>
+      </p:ext>
+    </p:extLst>
+  </p:cSld>
+  <p:clrMapOvr>
+    <a:masterClrMapping/>
+  </p:clrMapOvr>
+</p:sld>
+</file>
+
 <file path=ppt/slides/slide3.xml><?xml version="1.0" encoding="utf-8"?>
 <p:sld xmlns:a="http://schemas.openxmlformats.org/drawingml/2006/main" xmlns:r="http://schemas.openxmlformats.org/officeDocument/2006/relationships" xmlns:p="http://schemas.openxmlformats.org/presentationml/2006/main">
   <p:cSld>
@@ -5818,6 +6145,13 @@
   <p:clrMapOvr>
     <a:masterClrMapping/>
   </p:clrMapOvr>
+  <p:timing>
+    <p:tnLst>
+      <p:par>
+        <p:cTn id="1" dur="indefinite" restart="never" nodeType="tmRoot"/>
+      </p:par>
+    </p:tnLst>
+  </p:timing>
 </p:sld>
 </file>
 
@@ -5968,6 +6302,13 @@
   <p:clrMapOvr>
     <a:masterClrMapping/>
   </p:clrMapOvr>
+  <p:timing>
+    <p:tnLst>
+      <p:par>
+        <p:cTn id="1" dur="indefinite" restart="never" nodeType="tmRoot"/>
+      </p:par>
+    </p:tnLst>
+  </p:timing>
 </p:sld>
 </file>
 
@@ -6134,8 +6475,8 @@
           </a:p>
         </p:txBody>
       </p:sp>
-      <mc:AlternateContent xmlns:mc="http://schemas.openxmlformats.org/markup-compatibility/2006">
-        <mc:Choice xmlns:a14="http://schemas.microsoft.com/office/drawing/2010/main" Requires="a14">
+      <mc:AlternateContent xmlns:mc="http://schemas.openxmlformats.org/markup-compatibility/2006" xmlns:a14="http://schemas.microsoft.com/office/drawing/2010/main">
+        <mc:Choice Requires="a14">
           <p:sp>
             <p:nvSpPr>
               <p:cNvPr id="8" name="TextBox 7"/>
@@ -6158,6 +6499,7 @@
               </a:bodyPr>
               <a:lstStyle/>
               <a:p>
+                <a:pPr/>
                 <a14:m>
                   <m:oMathPara xmlns:m="http://schemas.openxmlformats.org/officeDocument/2006/math">
                     <m:oMathParaPr>
@@ -6167,7 +6509,7 @@
                       <m:sSubSup>
                         <m:sSubSupPr>
                           <m:ctrlPr>
-                            <a:rPr lang="ko-KR" altLang="en-US" sz="3200" smtClean="0">
+                            <a:rPr lang="ko-KR" altLang="en-US" sz="3200" i="1" smtClean="0">
                               <a:latin typeface="Cambria Math" panose="02040503050406030204" pitchFamily="18" charset="0"/>
                             </a:rPr>
                           </m:ctrlPr>
@@ -6205,7 +6547,7 @@
             </p:txBody>
           </p:sp>
         </mc:Choice>
-        <mc:Fallback>
+        <mc:Fallback xmlns="">
           <p:sp>
             <p:nvSpPr>
               <p:cNvPr id="8" name="TextBox 7"/>
@@ -6244,8 +6586,8 @@
           </p:sp>
         </mc:Fallback>
       </mc:AlternateContent>
-      <mc:AlternateContent xmlns:mc="http://schemas.openxmlformats.org/markup-compatibility/2006">
-        <mc:Choice xmlns:a14="http://schemas.microsoft.com/office/drawing/2010/main" Requires="a14">
+      <mc:AlternateContent xmlns:mc="http://schemas.openxmlformats.org/markup-compatibility/2006" xmlns:a14="http://schemas.microsoft.com/office/drawing/2010/main">
+        <mc:Choice Requires="a14">
           <p:sp>
             <p:nvSpPr>
               <p:cNvPr id="11" name="TextBox 10"/>
@@ -6268,6 +6610,7 @@
               </a:bodyPr>
               <a:lstStyle/>
               <a:p>
+                <a:pPr/>
                 <a14:m>
                   <m:oMathPara xmlns:m="http://schemas.openxmlformats.org/officeDocument/2006/math">
                     <m:oMathParaPr>
@@ -6277,7 +6620,7 @@
                       <m:sSubSup>
                         <m:sSubSupPr>
                           <m:ctrlPr>
-                            <a:rPr lang="ko-KR" altLang="en-US" sz="3200" smtClean="0">
+                            <a:rPr lang="ko-KR" altLang="en-US" sz="3200" i="1" smtClean="0">
                               <a:latin typeface="Cambria Math" panose="02040503050406030204" pitchFamily="18" charset="0"/>
                             </a:rPr>
                           </m:ctrlPr>
@@ -6315,7 +6658,7 @@
             </p:txBody>
           </p:sp>
         </mc:Choice>
-        <mc:Fallback>
+        <mc:Fallback xmlns="">
           <p:sp>
             <p:nvSpPr>
               <p:cNvPr id="11" name="TextBox 10"/>
@@ -6354,8 +6697,8 @@
           </p:sp>
         </mc:Fallback>
       </mc:AlternateContent>
-      <mc:AlternateContent xmlns:mc="http://schemas.openxmlformats.org/markup-compatibility/2006">
-        <mc:Choice xmlns:a14="http://schemas.microsoft.com/office/drawing/2010/main" Requires="a14">
+      <mc:AlternateContent xmlns:mc="http://schemas.openxmlformats.org/markup-compatibility/2006" xmlns:a14="http://schemas.microsoft.com/office/drawing/2010/main">
+        <mc:Choice Requires="a14">
           <p:sp>
             <p:nvSpPr>
               <p:cNvPr id="12" name="TextBox 11"/>
@@ -6378,6 +6721,7 @@
               </a:bodyPr>
               <a:lstStyle/>
               <a:p>
+                <a:pPr/>
                 <a14:m>
                   <m:oMathPara xmlns:m="http://schemas.openxmlformats.org/officeDocument/2006/math">
                     <m:oMathParaPr>
@@ -6387,7 +6731,7 @@
                       <m:sSubSup>
                         <m:sSubSupPr>
                           <m:ctrlPr>
-                            <a:rPr lang="ko-KR" altLang="en-US" sz="3200" smtClean="0">
+                            <a:rPr lang="ko-KR" altLang="en-US" sz="3200" i="1" smtClean="0">
                               <a:latin typeface="Cambria Math" panose="02040503050406030204" pitchFamily="18" charset="0"/>
                             </a:rPr>
                           </m:ctrlPr>
@@ -6425,7 +6769,7 @@
             </p:txBody>
           </p:sp>
         </mc:Choice>
-        <mc:Fallback>
+        <mc:Fallback xmlns="">
           <p:sp>
             <p:nvSpPr>
               <p:cNvPr id="12" name="TextBox 11"/>
@@ -6464,8 +6808,8 @@
           </p:sp>
         </mc:Fallback>
       </mc:AlternateContent>
-      <mc:AlternateContent xmlns:mc="http://schemas.openxmlformats.org/markup-compatibility/2006">
-        <mc:Choice xmlns:a14="http://schemas.microsoft.com/office/drawing/2010/main" Requires="a14">
+      <mc:AlternateContent xmlns:mc="http://schemas.openxmlformats.org/markup-compatibility/2006" xmlns:a14="http://schemas.microsoft.com/office/drawing/2010/main">
+        <mc:Choice Requires="a14">
           <p:sp>
             <p:nvSpPr>
               <p:cNvPr id="13" name="TextBox 12"/>
@@ -6488,6 +6832,7 @@
               </a:bodyPr>
               <a:lstStyle/>
               <a:p>
+                <a:pPr/>
                 <a14:m>
                   <m:oMathPara xmlns:m="http://schemas.openxmlformats.org/officeDocument/2006/math">
                     <m:oMathParaPr>
@@ -6497,7 +6842,7 @@
                       <m:sSubSup>
                         <m:sSubSupPr>
                           <m:ctrlPr>
-                            <a:rPr lang="ko-KR" altLang="en-US" sz="3200" smtClean="0">
+                            <a:rPr lang="ko-KR" altLang="en-US" sz="3200" i="1" smtClean="0">
                               <a:latin typeface="Cambria Math" panose="02040503050406030204" pitchFamily="18" charset="0"/>
                             </a:rPr>
                           </m:ctrlPr>
@@ -6535,7 +6880,7 @@
             </p:txBody>
           </p:sp>
         </mc:Choice>
-        <mc:Fallback>
+        <mc:Fallback xmlns="">
           <p:sp>
             <p:nvSpPr>
               <p:cNvPr id="13" name="TextBox 12"/>
@@ -6574,8 +6919,8 @@
           </p:sp>
         </mc:Fallback>
       </mc:AlternateContent>
-      <mc:AlternateContent xmlns:mc="http://schemas.openxmlformats.org/markup-compatibility/2006">
-        <mc:Choice xmlns:a14="http://schemas.microsoft.com/office/drawing/2010/main" Requires="a14">
+      <mc:AlternateContent xmlns:mc="http://schemas.openxmlformats.org/markup-compatibility/2006" xmlns:a14="http://schemas.microsoft.com/office/drawing/2010/main">
+        <mc:Choice Requires="a14">
           <p:sp>
             <p:nvSpPr>
               <p:cNvPr id="14" name="TextBox 13"/>
@@ -6598,6 +6943,7 @@
               </a:bodyPr>
               <a:lstStyle/>
               <a:p>
+                <a:pPr/>
                 <a14:m>
                   <m:oMathPara xmlns:m="http://schemas.openxmlformats.org/officeDocument/2006/math">
                     <m:oMathParaPr>
@@ -6607,7 +6953,7 @@
                       <m:sSubSup>
                         <m:sSubSupPr>
                           <m:ctrlPr>
-                            <a:rPr lang="ko-KR" altLang="en-US" sz="3200" smtClean="0">
+                            <a:rPr lang="ko-KR" altLang="en-US" sz="3200" i="1" smtClean="0">
                               <a:latin typeface="Cambria Math" panose="02040503050406030204" pitchFamily="18" charset="0"/>
                             </a:rPr>
                           </m:ctrlPr>
@@ -6645,7 +6991,7 @@
             </p:txBody>
           </p:sp>
         </mc:Choice>
-        <mc:Fallback>
+        <mc:Fallback xmlns="">
           <p:sp>
             <p:nvSpPr>
               <p:cNvPr id="14" name="TextBox 13"/>
@@ -6684,8 +7030,8 @@
           </p:sp>
         </mc:Fallback>
       </mc:AlternateContent>
-      <mc:AlternateContent xmlns:mc="http://schemas.openxmlformats.org/markup-compatibility/2006">
-        <mc:Choice xmlns:a14="http://schemas.microsoft.com/office/drawing/2010/main" Requires="a14">
+      <mc:AlternateContent xmlns:mc="http://schemas.openxmlformats.org/markup-compatibility/2006" xmlns:a14="http://schemas.microsoft.com/office/drawing/2010/main">
+        <mc:Choice Requires="a14">
           <p:sp>
             <p:nvSpPr>
               <p:cNvPr id="15" name="TextBox 14"/>
@@ -6708,6 +7054,7 @@
               </a:bodyPr>
               <a:lstStyle/>
               <a:p>
+                <a:pPr/>
                 <a14:m>
                   <m:oMathPara xmlns:m="http://schemas.openxmlformats.org/officeDocument/2006/math">
                     <m:oMathParaPr>
@@ -6717,7 +7064,7 @@
                       <m:sSubSup>
                         <m:sSubSupPr>
                           <m:ctrlPr>
-                            <a:rPr lang="ko-KR" altLang="en-US" sz="3200" smtClean="0">
+                            <a:rPr lang="ko-KR" altLang="en-US" sz="3200" i="1" smtClean="0">
                               <a:latin typeface="Cambria Math" panose="02040503050406030204" pitchFamily="18" charset="0"/>
                             </a:rPr>
                           </m:ctrlPr>
@@ -6755,7 +7102,7 @@
             </p:txBody>
           </p:sp>
         </mc:Choice>
-        <mc:Fallback>
+        <mc:Fallback xmlns="">
           <p:sp>
             <p:nvSpPr>
               <p:cNvPr id="15" name="TextBox 14"/>
@@ -6804,6 +7151,13 @@
   <p:clrMapOvr>
     <a:masterClrMapping/>
   </p:clrMapOvr>
+  <p:timing>
+    <p:tnLst>
+      <p:par>
+        <p:cTn id="1" dur="indefinite" restart="never" nodeType="tmRoot"/>
+      </p:par>
+    </p:tnLst>
+  </p:timing>
 </p:sld>
 </file>
 
@@ -6981,6 +7335,13 @@
   <p:clrMapOvr>
     <a:masterClrMapping/>
   </p:clrMapOvr>
+  <p:timing>
+    <p:tnLst>
+      <p:par>
+        <p:cTn id="1" dur="indefinite" restart="never" nodeType="tmRoot"/>
+      </p:par>
+    </p:tnLst>
+  </p:timing>
 </p:sld>
 </file>
 
@@ -7187,6 +7548,13 @@
   <p:clrMapOvr>
     <a:masterClrMapping/>
   </p:clrMapOvr>
+  <p:timing>
+    <p:tnLst>
+      <p:par>
+        <p:cTn id="1" dur="indefinite" restart="never" nodeType="tmRoot"/>
+      </p:par>
+    </p:tnLst>
+  </p:timing>
 </p:sld>
 </file>
 
@@ -7364,6 +7732,13 @@
   <p:clrMapOvr>
     <a:masterClrMapping/>
   </p:clrMapOvr>
+  <p:timing>
+    <p:tnLst>
+      <p:par>
+        <p:cTn id="1" dur="indefinite" restart="never" nodeType="tmRoot"/>
+      </p:par>
+    </p:tnLst>
+  </p:timing>
 </p:sld>
 </file>
 
@@ -7569,6 +7944,13 @@
   <p:clrMapOvr>
     <a:masterClrMapping/>
   </p:clrMapOvr>
+  <p:timing>
+    <p:tnLst>
+      <p:par>
+        <p:cTn id="1" dur="indefinite" restart="never" nodeType="tmRoot"/>
+      </p:par>
+    </p:tnLst>
+  </p:timing>
 </p:sld>
 </file>
 
